--- a/Practica_03.pptx
+++ b/Practica_03.pptx
@@ -305,7 +305,7 @@
           <a:p>
             <a:fld id="{A1F53A44-CB89-488F-A190-8D9FE3238862}" type="datetimeFigureOut">
               <a:rPr lang="es-ES" smtClean="0"/>
-              <a:t>18/11/2020</a:t>
+              <a:t>19/11/2020</a:t>
             </a:fld>
             <a:endParaRPr lang="es-ES"/>
           </a:p>
@@ -580,7 +580,7 @@
           <a:p>
             <a:fld id="{A1F53A44-CB89-488F-A190-8D9FE3238862}" type="datetimeFigureOut">
               <a:rPr lang="es-ES" smtClean="0"/>
-              <a:t>18/11/2020</a:t>
+              <a:t>19/11/2020</a:t>
             </a:fld>
             <a:endParaRPr lang="es-ES"/>
           </a:p>
@@ -774,7 +774,7 @@
           <a:p>
             <a:fld id="{A1F53A44-CB89-488F-A190-8D9FE3238862}" type="datetimeFigureOut">
               <a:rPr lang="es-ES" smtClean="0"/>
-              <a:t>18/11/2020</a:t>
+              <a:t>19/11/2020</a:t>
             </a:fld>
             <a:endParaRPr lang="es-ES"/>
           </a:p>
@@ -1047,7 +1047,7 @@
           <a:p>
             <a:fld id="{A1F53A44-CB89-488F-A190-8D9FE3238862}" type="datetimeFigureOut">
               <a:rPr lang="es-ES" smtClean="0"/>
-              <a:t>18/11/2020</a:t>
+              <a:t>19/11/2020</a:t>
             </a:fld>
             <a:endParaRPr lang="es-ES"/>
           </a:p>
@@ -1388,7 +1388,7 @@
           <a:p>
             <a:fld id="{A1F53A44-CB89-488F-A190-8D9FE3238862}" type="datetimeFigureOut">
               <a:rPr lang="es-ES" smtClean="0"/>
-              <a:t>18/11/2020</a:t>
+              <a:t>19/11/2020</a:t>
             </a:fld>
             <a:endParaRPr lang="es-ES"/>
           </a:p>
@@ -2011,7 +2011,7 @@
           <a:p>
             <a:fld id="{A1F53A44-CB89-488F-A190-8D9FE3238862}" type="datetimeFigureOut">
               <a:rPr lang="es-ES" smtClean="0"/>
-              <a:t>18/11/2020</a:t>
+              <a:t>19/11/2020</a:t>
             </a:fld>
             <a:endParaRPr lang="es-ES"/>
           </a:p>
@@ -2871,7 +2871,7 @@
           <a:p>
             <a:fld id="{A1F53A44-CB89-488F-A190-8D9FE3238862}" type="datetimeFigureOut">
               <a:rPr lang="es-ES" smtClean="0"/>
-              <a:t>18/11/2020</a:t>
+              <a:t>19/11/2020</a:t>
             </a:fld>
             <a:endParaRPr lang="es-ES"/>
           </a:p>
@@ -3041,7 +3041,7 @@
           <a:p>
             <a:fld id="{A1F53A44-CB89-488F-A190-8D9FE3238862}" type="datetimeFigureOut">
               <a:rPr lang="es-ES" smtClean="0"/>
-              <a:t>18/11/2020</a:t>
+              <a:t>19/11/2020</a:t>
             </a:fld>
             <a:endParaRPr lang="es-ES"/>
           </a:p>
@@ -3221,7 +3221,7 @@
           <a:p>
             <a:fld id="{A1F53A44-CB89-488F-A190-8D9FE3238862}" type="datetimeFigureOut">
               <a:rPr lang="es-ES" smtClean="0"/>
-              <a:t>18/11/2020</a:t>
+              <a:t>19/11/2020</a:t>
             </a:fld>
             <a:endParaRPr lang="es-ES"/>
           </a:p>
@@ -3391,7 +3391,7 @@
           <a:p>
             <a:fld id="{A1F53A44-CB89-488F-A190-8D9FE3238862}" type="datetimeFigureOut">
               <a:rPr lang="es-ES" smtClean="0"/>
-              <a:t>18/11/2020</a:t>
+              <a:t>19/11/2020</a:t>
             </a:fld>
             <a:endParaRPr lang="es-ES"/>
           </a:p>
@@ -3638,7 +3638,7 @@
           <a:p>
             <a:fld id="{A1F53A44-CB89-488F-A190-8D9FE3238862}" type="datetimeFigureOut">
               <a:rPr lang="es-ES" smtClean="0"/>
-              <a:t>18/11/2020</a:t>
+              <a:t>19/11/2020</a:t>
             </a:fld>
             <a:endParaRPr lang="es-ES"/>
           </a:p>
@@ -3930,7 +3930,7 @@
           <a:p>
             <a:fld id="{A1F53A44-CB89-488F-A190-8D9FE3238862}" type="datetimeFigureOut">
               <a:rPr lang="es-ES" smtClean="0"/>
-              <a:t>18/11/2020</a:t>
+              <a:t>19/11/2020</a:t>
             </a:fld>
             <a:endParaRPr lang="es-ES"/>
           </a:p>
@@ -4374,7 +4374,7 @@
           <a:p>
             <a:fld id="{A1F53A44-CB89-488F-A190-8D9FE3238862}" type="datetimeFigureOut">
               <a:rPr lang="es-ES" smtClean="0"/>
-              <a:t>18/11/2020</a:t>
+              <a:t>19/11/2020</a:t>
             </a:fld>
             <a:endParaRPr lang="es-ES"/>
           </a:p>
@@ -4492,7 +4492,7 @@
           <a:p>
             <a:fld id="{A1F53A44-CB89-488F-A190-8D9FE3238862}" type="datetimeFigureOut">
               <a:rPr lang="es-ES" smtClean="0"/>
-              <a:t>18/11/2020</a:t>
+              <a:t>19/11/2020</a:t>
             </a:fld>
             <a:endParaRPr lang="es-ES"/>
           </a:p>
@@ -4587,7 +4587,7 @@
           <a:p>
             <a:fld id="{A1F53A44-CB89-488F-A190-8D9FE3238862}" type="datetimeFigureOut">
               <a:rPr lang="es-ES" smtClean="0"/>
-              <a:t>18/11/2020</a:t>
+              <a:t>19/11/2020</a:t>
             </a:fld>
             <a:endParaRPr lang="es-ES"/>
           </a:p>
@@ -4866,7 +4866,7 @@
           <a:p>
             <a:fld id="{A1F53A44-CB89-488F-A190-8D9FE3238862}" type="datetimeFigureOut">
               <a:rPr lang="es-ES" smtClean="0"/>
-              <a:t>18/11/2020</a:t>
+              <a:t>19/11/2020</a:t>
             </a:fld>
             <a:endParaRPr lang="es-ES"/>
           </a:p>
@@ -5141,7 +5141,7 @@
           <a:p>
             <a:fld id="{A1F53A44-CB89-488F-A190-8D9FE3238862}" type="datetimeFigureOut">
               <a:rPr lang="es-ES" smtClean="0"/>
-              <a:t>18/11/2020</a:t>
+              <a:t>19/11/2020</a:t>
             </a:fld>
             <a:endParaRPr lang="es-ES"/>
           </a:p>
@@ -5570,7 +5570,7 @@
           <a:p>
             <a:fld id="{A1F53A44-CB89-488F-A190-8D9FE3238862}" type="datetimeFigureOut">
               <a:rPr lang="es-ES" smtClean="0"/>
-              <a:t>18/11/2020</a:t>
+              <a:t>19/11/2020</a:t>
             </a:fld>
             <a:endParaRPr lang="es-ES"/>
           </a:p>
@@ -6271,13 +6271,8 @@
             <a:pPr algn="just"/>
             <a:r>
               <a:rPr lang="es-ES" dirty="0"/>
-              <a:t>Se usa cuando hay una nueva versión del código pero la anterior aun es </a:t>
-            </a:r>
-            <a:r>
-              <a:rPr lang="es-ES" dirty="0" err="1"/>
-              <a:t>util</a:t>
-            </a:r>
-            <a:endParaRPr lang="es-ES" dirty="0"/>
+              <a:t>Se usa cuando hay una nueva versión del código pero la anterior aun es útil</a:t>
+            </a:r>
           </a:p>
           <a:p>
             <a:pPr marL="0" indent="0">
@@ -6580,7 +6575,7 @@
             </a:r>
             <a:r>
               <a:rPr lang="es-ES" dirty="0"/>
-              <a:t>Define la interfaz para la implementación de las clases. Esta interfaz no tienen que corresponder exactamente con la interfaz </a:t>
+              <a:t>Define la interfaz para la implementación de las clases. Esta interfaz no tiene que corresponder exactamente con la interfaz </a:t>
             </a:r>
             <a:r>
               <a:rPr lang="es-ES" b="1" dirty="0"/>
@@ -6737,10 +6732,9 @@
           </a:p>
           <a:p>
             <a:r>
-              <a:rPr lang="es-MX" dirty="0"/>
+              <a:rPr lang="es-ES" dirty="0"/>
               <a:t>Se pueden extender las jerarquías de Abstraction e Implementor sin que haya dependencias.</a:t>
             </a:r>
-            <a:endParaRPr lang="es-ES" dirty="0"/>
           </a:p>
         </p:txBody>
       </p:sp>
@@ -7108,7 +7102,7 @@
           <a:p>
             <a:r>
               <a:rPr lang="es-ES" dirty="0"/>
-              <a:t>Resulta incomodo ampliar la abstracción de la ventana para cubrir diversas clases de ventanas</a:t>
+              <a:t>Resulta incómodo ampliar la abstracción de la ventana para cubrir diversas clases de ventanas</a:t>
             </a:r>
           </a:p>
           <a:p>
@@ -7126,13 +7120,8 @@
           <a:p>
             <a:r>
               <a:rPr lang="es-ES" dirty="0"/>
-              <a:t>Se tendrá problemas al no entender su </a:t>
-            </a:r>
-            <a:r>
-              <a:rPr lang="es-ES" dirty="0" err="1"/>
-              <a:t>funcionamient</a:t>
-            </a:r>
-            <a:endParaRPr lang="es-ES" dirty="0"/>
+              <a:t>Se tendrá problemas al no entender su funcionamiento</a:t>
+            </a:r>
           </a:p>
         </p:txBody>
       </p:sp>
@@ -7228,10 +7217,9 @@
               <a:buNone/>
             </a:pPr>
             <a:r>
-              <a:rPr lang="es-ES"/>
+              <a:rPr lang="es-ES" dirty="0"/>
               <a:t>https://github.com/Bryambepz/Practica_03_Patron_Bridge/tree/master/src</a:t>
             </a:r>
-            <a:endParaRPr lang="es-ES" dirty="0"/>
           </a:p>
         </p:txBody>
       </p:sp>
